--- a/docs/diagrams/UiComponentClassDiagram.pptx
+++ b/docs/diagrams/UiComponentClassDiagram.pptx
@@ -208,7 +208,7 @@
           <a:p>
             <a:fld id="{F5CC4B3F-88C1-4FFA-B1B6-F41C21DC6924}" type="datetimeFigureOut">
               <a:rPr lang="en-US" smtClean="0"/>
-              <a:t>1/7/2017</a:t>
+              <a:t>15/4/2018</a:t>
             </a:fld>
             <a:endParaRPr lang="en-US"/>
           </a:p>
@@ -654,7 +654,7 @@
           <a:p>
             <a:fld id="{78C97017-6FC3-485B-9764-EAC9E56C1D49}" type="datetimeFigureOut">
               <a:rPr lang="en-US" smtClean="0"/>
-              <a:t>1/7/2017</a:t>
+              <a:t>15/4/2018</a:t>
             </a:fld>
             <a:endParaRPr lang="en-US"/>
           </a:p>
@@ -822,7 +822,7 @@
           <a:p>
             <a:fld id="{78C97017-6FC3-485B-9764-EAC9E56C1D49}" type="datetimeFigureOut">
               <a:rPr lang="en-US" smtClean="0"/>
-              <a:t>1/7/2017</a:t>
+              <a:t>15/4/2018</a:t>
             </a:fld>
             <a:endParaRPr lang="en-US"/>
           </a:p>
@@ -1000,7 +1000,7 @@
           <a:p>
             <a:fld id="{78C97017-6FC3-485B-9764-EAC9E56C1D49}" type="datetimeFigureOut">
               <a:rPr lang="en-US" smtClean="0"/>
-              <a:t>1/7/2017</a:t>
+              <a:t>15/4/2018</a:t>
             </a:fld>
             <a:endParaRPr lang="en-US"/>
           </a:p>
@@ -1168,7 +1168,7 @@
           <a:p>
             <a:fld id="{78C97017-6FC3-485B-9764-EAC9E56C1D49}" type="datetimeFigureOut">
               <a:rPr lang="en-US" smtClean="0"/>
-              <a:t>1/7/2017</a:t>
+              <a:t>15/4/2018</a:t>
             </a:fld>
             <a:endParaRPr lang="en-US"/>
           </a:p>
@@ -1413,7 +1413,7 @@
           <a:p>
             <a:fld id="{78C97017-6FC3-485B-9764-EAC9E56C1D49}" type="datetimeFigureOut">
               <a:rPr lang="en-US" smtClean="0"/>
-              <a:t>1/7/2017</a:t>
+              <a:t>15/4/2018</a:t>
             </a:fld>
             <a:endParaRPr lang="en-US"/>
           </a:p>
@@ -1698,7 +1698,7 @@
           <a:p>
             <a:fld id="{78C97017-6FC3-485B-9764-EAC9E56C1D49}" type="datetimeFigureOut">
               <a:rPr lang="en-US" smtClean="0"/>
-              <a:t>1/7/2017</a:t>
+              <a:t>15/4/2018</a:t>
             </a:fld>
             <a:endParaRPr lang="en-US"/>
           </a:p>
@@ -2117,7 +2117,7 @@
           <a:p>
             <a:fld id="{78C97017-6FC3-485B-9764-EAC9E56C1D49}" type="datetimeFigureOut">
               <a:rPr lang="en-US" smtClean="0"/>
-              <a:t>1/7/2017</a:t>
+              <a:t>15/4/2018</a:t>
             </a:fld>
             <a:endParaRPr lang="en-US"/>
           </a:p>
@@ -2234,7 +2234,7 @@
           <a:p>
             <a:fld id="{78C97017-6FC3-485B-9764-EAC9E56C1D49}" type="datetimeFigureOut">
               <a:rPr lang="en-US" smtClean="0"/>
-              <a:t>1/7/2017</a:t>
+              <a:t>15/4/2018</a:t>
             </a:fld>
             <a:endParaRPr lang="en-US"/>
           </a:p>
@@ -2329,7 +2329,7 @@
           <a:p>
             <a:fld id="{78C97017-6FC3-485B-9764-EAC9E56C1D49}" type="datetimeFigureOut">
               <a:rPr lang="en-US" smtClean="0"/>
-              <a:t>1/7/2017</a:t>
+              <a:t>15/4/2018</a:t>
             </a:fld>
             <a:endParaRPr lang="en-US"/>
           </a:p>
@@ -2604,7 +2604,7 @@
           <a:p>
             <a:fld id="{78C97017-6FC3-485B-9764-EAC9E56C1D49}" type="datetimeFigureOut">
               <a:rPr lang="en-US" smtClean="0"/>
-              <a:t>1/7/2017</a:t>
+              <a:t>15/4/2018</a:t>
             </a:fld>
             <a:endParaRPr lang="en-US"/>
           </a:p>
@@ -2856,7 +2856,7 @@
           <a:p>
             <a:fld id="{78C97017-6FC3-485B-9764-EAC9E56C1D49}" type="datetimeFigureOut">
               <a:rPr lang="en-US" smtClean="0"/>
-              <a:t>1/7/2017</a:t>
+              <a:t>15/4/2018</a:t>
             </a:fld>
             <a:endParaRPr lang="en-US"/>
           </a:p>
@@ -3067,7 +3067,7 @@
           <a:p>
             <a:fld id="{78C97017-6FC3-485B-9764-EAC9E56C1D49}" type="datetimeFigureOut">
               <a:rPr lang="en-US" smtClean="0"/>
-              <a:t>1/7/2017</a:t>
+              <a:t>15/4/2018</a:t>
             </a:fld>
             <a:endParaRPr lang="en-US"/>
           </a:p>
@@ -3451,7 +3451,7 @@
         <p:spPr>
           <a:xfrm>
             <a:off x="1217465" y="1447800"/>
-            <a:ext cx="4917083" cy="3962400"/>
+            <a:ext cx="4917083" cy="4267200"/>
           </a:xfrm>
           <a:prstGeom prst="roundRect">
             <a:avLst>
@@ -3918,14 +3918,14 @@
           <a:p>
             <a:pPr algn="ctr"/>
             <a:r>
-              <a:rPr lang="en-US" sz="1050" b="1" dirty="0" err="1">
+              <a:rPr lang="en-US" sz="1050" b="1" dirty="0" err="1" smtClean="0">
                 <a:solidFill>
                   <a:schemeClr val="accent3">
                     <a:lumMod val="75000"/>
                   </a:schemeClr>
                 </a:solidFill>
               </a:rPr>
-              <a:t>BrowserPanel</a:t>
+              <a:t>PlayerDetails</a:t>
             </a:r>
             <a:endParaRPr lang="en-SG" sz="1050" b="1" dirty="0">
               <a:solidFill>
@@ -4125,7 +4125,7 @@
         </p:nvSpPr>
         <p:spPr>
           <a:xfrm>
-            <a:off x="2592528" y="4966000"/>
+            <a:off x="2587522" y="5268784"/>
             <a:ext cx="1093635" cy="236841"/>
           </a:xfrm>
           <a:prstGeom prst="rect">
@@ -4459,8 +4459,8 @@
         </p:nvCxnSpPr>
         <p:spPr>
           <a:xfrm rot="16200000" flipH="1">
-            <a:off x="1184119" y="3676012"/>
-            <a:ext cx="2396440" cy="420377"/>
+            <a:off x="1019284" y="3818966"/>
+            <a:ext cx="2699223" cy="437254"/>
           </a:xfrm>
           <a:prstGeom prst="bentConnector2">
             <a:avLst/>
@@ -4784,8 +4784,8 @@
         </p:nvCxnSpPr>
         <p:spPr>
           <a:xfrm rot="5400000">
-            <a:off x="3208856" y="2763307"/>
-            <a:ext cx="2798421" cy="1843806"/>
+            <a:off x="3054961" y="2912196"/>
+            <a:ext cx="3101205" cy="1848812"/>
           </a:xfrm>
           <a:prstGeom prst="bentConnector2">
             <a:avLst/>
@@ -5509,6 +5509,147 @@
           </a:p>
         </p:txBody>
       </p:sp>
+      <p:sp>
+        <p:nvSpPr>
+          <p:cNvPr id="42" name="Rectangle 11"/>
+          <p:cNvSpPr/>
+          <p:nvPr/>
+        </p:nvSpPr>
+        <p:spPr>
+          <a:xfrm>
+            <a:off x="2585340" y="4905717"/>
+            <a:ext cx="1093635" cy="236841"/>
+          </a:xfrm>
+          <a:prstGeom prst="rect">
+            <a:avLst/>
+          </a:prstGeom>
+          <a:ln w="19050">
+            <a:solidFill>
+              <a:schemeClr val="accent3"/>
+            </a:solidFill>
+          </a:ln>
+          <a:effectLst/>
+        </p:spPr>
+        <p:style>
+          <a:lnRef idx="1">
+            <a:schemeClr val="accent3"/>
+          </a:lnRef>
+          <a:fillRef idx="2">
+            <a:schemeClr val="accent3"/>
+          </a:fillRef>
+          <a:effectRef idx="1">
+            <a:schemeClr val="accent3"/>
+          </a:effectRef>
+          <a:fontRef idx="minor">
+            <a:schemeClr val="dk1"/>
+          </a:fontRef>
+        </p:style>
+        <p:txBody>
+          <a:bodyPr rtlCol="0" anchor="ctr"/>
+          <a:lstStyle/>
+          <a:p>
+            <a:pPr algn="ctr"/>
+            <a:r>
+              <a:rPr lang="en-US" sz="1050" b="1" dirty="0" err="1" smtClean="0">
+                <a:solidFill>
+                  <a:schemeClr val="accent3">
+                    <a:lumMod val="75000"/>
+                  </a:schemeClr>
+                </a:solidFill>
+              </a:rPr>
+              <a:t>TeamDisplay</a:t>
+            </a:r>
+            <a:endParaRPr lang="en-SG" sz="1050" b="1" dirty="0">
+              <a:solidFill>
+                <a:schemeClr val="accent3">
+                  <a:lumMod val="75000"/>
+                </a:schemeClr>
+              </a:solidFill>
+            </a:endParaRPr>
+          </a:p>
+        </p:txBody>
+      </p:sp>
+      <p:cxnSp>
+        <p:nvCxnSpPr>
+          <p:cNvPr id="45" name="Elbow Connector 63"/>
+          <p:cNvCxnSpPr>
+            <a:endCxn id="42" idx="1"/>
+          </p:cNvCxnSpPr>
+          <p:nvPr/>
+        </p:nvCxnSpPr>
+        <p:spPr>
+          <a:xfrm rot="16200000" flipH="1">
+            <a:off x="1418533" y="3857331"/>
+            <a:ext cx="2164396" cy="169217"/>
+          </a:xfrm>
+          <a:prstGeom prst="bentConnector2">
+            <a:avLst/>
+          </a:prstGeom>
+          <a:ln w="19050">
+            <a:solidFill>
+              <a:schemeClr val="accent3"/>
+            </a:solidFill>
+            <a:headEnd type="none" w="med" len="med"/>
+            <a:tailEnd type="arrow" w="med" len="med"/>
+          </a:ln>
+          <a:effectLst/>
+        </p:spPr>
+        <p:style>
+          <a:lnRef idx="1">
+            <a:schemeClr val="accent2"/>
+          </a:lnRef>
+          <a:fillRef idx="2">
+            <a:schemeClr val="accent2"/>
+          </a:fillRef>
+          <a:effectRef idx="1">
+            <a:schemeClr val="accent2"/>
+          </a:effectRef>
+          <a:fontRef idx="minor">
+            <a:schemeClr val="dk1"/>
+          </a:fontRef>
+        </p:style>
+      </p:cxnSp>
+      <p:cxnSp>
+        <p:nvCxnSpPr>
+          <p:cNvPr id="48" name="Elbow Connector 63"/>
+          <p:cNvCxnSpPr>
+            <a:stCxn id="16" idx="3"/>
+            <a:endCxn id="42" idx="3"/>
+          </p:cNvCxnSpPr>
+          <p:nvPr/>
+        </p:nvCxnSpPr>
+        <p:spPr>
+          <a:xfrm rot="5400000">
+            <a:off x="3235403" y="2729572"/>
+            <a:ext cx="2738138" cy="1850994"/>
+          </a:xfrm>
+          <a:prstGeom prst="bentConnector2">
+            <a:avLst/>
+          </a:prstGeom>
+          <a:ln w="6350">
+            <a:solidFill>
+              <a:schemeClr val="accent3"/>
+            </a:solidFill>
+            <a:headEnd type="none" w="med" len="med"/>
+            <a:tailEnd type="none" w="med" len="med"/>
+          </a:ln>
+          <a:effectLst/>
+        </p:spPr>
+        <p:style>
+          <a:lnRef idx="1">
+            <a:schemeClr val="accent2"/>
+          </a:lnRef>
+          <a:fillRef idx="2">
+            <a:schemeClr val="accent2"/>
+          </a:fillRef>
+          <a:effectRef idx="1">
+            <a:schemeClr val="accent2"/>
+          </a:effectRef>
+          <a:fontRef idx="minor">
+            <a:schemeClr val="dk1"/>
+          </a:fontRef>
+        </p:style>
+      </p:cxnSp>
     </p:spTree>
     <p:extLst>
       <p:ext uri="{BB962C8B-B14F-4D97-AF65-F5344CB8AC3E}">

--- a/docs/diagrams/UiComponentClassDiagram.pptx
+++ b/docs/diagrams/UiComponentClassDiagram.pptx
@@ -208,7 +208,7 @@
           <a:p>
             <a:fld id="{F5CC4B3F-88C1-4FFA-B1B6-F41C21DC6924}" type="datetimeFigureOut">
               <a:rPr lang="en-US" smtClean="0"/>
-              <a:t>1/7/2017</a:t>
+              <a:t>4/15/18</a:t>
             </a:fld>
             <a:endParaRPr lang="en-US"/>
           </a:p>
@@ -654,7 +654,7 @@
           <a:p>
             <a:fld id="{78C97017-6FC3-485B-9764-EAC9E56C1D49}" type="datetimeFigureOut">
               <a:rPr lang="en-US" smtClean="0"/>
-              <a:t>1/7/2017</a:t>
+              <a:t>4/15/18</a:t>
             </a:fld>
             <a:endParaRPr lang="en-US"/>
           </a:p>
@@ -822,7 +822,7 @@
           <a:p>
             <a:fld id="{78C97017-6FC3-485B-9764-EAC9E56C1D49}" type="datetimeFigureOut">
               <a:rPr lang="en-US" smtClean="0"/>
-              <a:t>1/7/2017</a:t>
+              <a:t>4/15/18</a:t>
             </a:fld>
             <a:endParaRPr lang="en-US"/>
           </a:p>
@@ -1000,7 +1000,7 @@
           <a:p>
             <a:fld id="{78C97017-6FC3-485B-9764-EAC9E56C1D49}" type="datetimeFigureOut">
               <a:rPr lang="en-US" smtClean="0"/>
-              <a:t>1/7/2017</a:t>
+              <a:t>4/15/18</a:t>
             </a:fld>
             <a:endParaRPr lang="en-US"/>
           </a:p>
@@ -1168,7 +1168,7 @@
           <a:p>
             <a:fld id="{78C97017-6FC3-485B-9764-EAC9E56C1D49}" type="datetimeFigureOut">
               <a:rPr lang="en-US" smtClean="0"/>
-              <a:t>1/7/2017</a:t>
+              <a:t>4/15/18</a:t>
             </a:fld>
             <a:endParaRPr lang="en-US"/>
           </a:p>
@@ -1413,7 +1413,7 @@
           <a:p>
             <a:fld id="{78C97017-6FC3-485B-9764-EAC9E56C1D49}" type="datetimeFigureOut">
               <a:rPr lang="en-US" smtClean="0"/>
-              <a:t>1/7/2017</a:t>
+              <a:t>4/15/18</a:t>
             </a:fld>
             <a:endParaRPr lang="en-US"/>
           </a:p>
@@ -1698,7 +1698,7 @@
           <a:p>
             <a:fld id="{78C97017-6FC3-485B-9764-EAC9E56C1D49}" type="datetimeFigureOut">
               <a:rPr lang="en-US" smtClean="0"/>
-              <a:t>1/7/2017</a:t>
+              <a:t>4/15/18</a:t>
             </a:fld>
             <a:endParaRPr lang="en-US"/>
           </a:p>
@@ -2117,7 +2117,7 @@
           <a:p>
             <a:fld id="{78C97017-6FC3-485B-9764-EAC9E56C1D49}" type="datetimeFigureOut">
               <a:rPr lang="en-US" smtClean="0"/>
-              <a:t>1/7/2017</a:t>
+              <a:t>4/15/18</a:t>
             </a:fld>
             <a:endParaRPr lang="en-US"/>
           </a:p>
@@ -2234,7 +2234,7 @@
           <a:p>
             <a:fld id="{78C97017-6FC3-485B-9764-EAC9E56C1D49}" type="datetimeFigureOut">
               <a:rPr lang="en-US" smtClean="0"/>
-              <a:t>1/7/2017</a:t>
+              <a:t>4/15/18</a:t>
             </a:fld>
             <a:endParaRPr lang="en-US"/>
           </a:p>
@@ -2329,7 +2329,7 @@
           <a:p>
             <a:fld id="{78C97017-6FC3-485B-9764-EAC9E56C1D49}" type="datetimeFigureOut">
               <a:rPr lang="en-US" smtClean="0"/>
-              <a:t>1/7/2017</a:t>
+              <a:t>4/15/18</a:t>
             </a:fld>
             <a:endParaRPr lang="en-US"/>
           </a:p>
@@ -2604,7 +2604,7 @@
           <a:p>
             <a:fld id="{78C97017-6FC3-485B-9764-EAC9E56C1D49}" type="datetimeFigureOut">
               <a:rPr lang="en-US" smtClean="0"/>
-              <a:t>1/7/2017</a:t>
+              <a:t>4/15/18</a:t>
             </a:fld>
             <a:endParaRPr lang="en-US"/>
           </a:p>
@@ -2856,7 +2856,7 @@
           <a:p>
             <a:fld id="{78C97017-6FC3-485B-9764-EAC9E56C1D49}" type="datetimeFigureOut">
               <a:rPr lang="en-US" smtClean="0"/>
-              <a:t>1/7/2017</a:t>
+              <a:t>4/15/18</a:t>
             </a:fld>
             <a:endParaRPr lang="en-US"/>
           </a:p>
@@ -3067,7 +3067,7 @@
           <a:p>
             <a:fld id="{78C97017-6FC3-485B-9764-EAC9E56C1D49}" type="datetimeFigureOut">
               <a:rPr lang="en-US" smtClean="0"/>
-              <a:t>1/7/2017</a:t>
+              <a:t>4/15/18</a:t>
             </a:fld>
             <a:endParaRPr lang="en-US"/>
           </a:p>
@@ -3918,14 +3918,14 @@
           <a:p>
             <a:pPr algn="ctr"/>
             <a:r>
-              <a:rPr lang="en-US" sz="1050" b="1" dirty="0" err="1">
+              <a:rPr lang="en-US" sz="1050" b="1" dirty="0" err="1" smtClean="0">
                 <a:solidFill>
                   <a:schemeClr val="accent3">
                     <a:lumMod val="75000"/>
                   </a:schemeClr>
                 </a:solidFill>
               </a:rPr>
-              <a:t>BrowserPanel</a:t>
+              <a:t>TeamDetails</a:t>
             </a:r>
             <a:endParaRPr lang="en-SG" sz="1050" b="1" dirty="0">
               <a:solidFill>
@@ -4065,8 +4065,8 @@
         </p:nvSpPr>
         <p:spPr>
           <a:xfrm>
-            <a:off x="3839323" y="4228801"/>
-            <a:ext cx="1040906" cy="236841"/>
+            <a:off x="3774239" y="4219004"/>
+            <a:ext cx="1040906" cy="155061"/>
           </a:xfrm>
           <a:prstGeom prst="rect">
             <a:avLst/>
@@ -4620,8 +4620,8 @@
         </p:nvCxnSpPr>
         <p:spPr>
           <a:xfrm rot="5400000">
-            <a:off x="4174488" y="2991741"/>
-            <a:ext cx="2061222" cy="649740"/>
+            <a:off x="4167290" y="2933855"/>
+            <a:ext cx="2010535" cy="714824"/>
           </a:xfrm>
           <a:prstGeom prst="bentConnector2">
             <a:avLst/>
@@ -4863,8 +4863,8 @@
         </p:nvSpPr>
         <p:spPr>
           <a:xfrm rot="16200000">
-            <a:off x="6213739" y="4560376"/>
-            <a:ext cx="1371599" cy="328045"/>
+            <a:off x="6149829" y="4496465"/>
+            <a:ext cx="1499420" cy="328045"/>
           </a:xfrm>
           <a:prstGeom prst="roundRect">
             <a:avLst/>
@@ -5168,8 +5168,8 @@
         </p:nvCxnSpPr>
         <p:spPr>
           <a:xfrm rot="16200000" flipH="1">
-            <a:off x="3430123" y="3938021"/>
-            <a:ext cx="118421" cy="699979"/>
+            <a:off x="3422924" y="3945220"/>
+            <a:ext cx="67734" cy="634895"/>
           </a:xfrm>
           <a:prstGeom prst="bentConnector2">
             <a:avLst/>
@@ -5435,8 +5435,272 @@
         </p:nvSpPr>
         <p:spPr>
           <a:xfrm flipV="1">
-            <a:off x="4114799" y="4472708"/>
-            <a:ext cx="2642195" cy="101600"/>
+            <a:off x="4808145" y="4359638"/>
+            <a:ext cx="1947640" cy="60779"/>
+          </a:xfrm>
+          <a:custGeom>
+            <a:avLst/>
+            <a:gdLst>
+              <a:gd name="connsiteX0" fmla="*/ 0 w 3048000"/>
+              <a:gd name="connsiteY0" fmla="*/ 203200 h 203200"/>
+              <a:gd name="connsiteX1" fmla="*/ 221673 w 3048000"/>
+              <a:gd name="connsiteY1" fmla="*/ 0 h 203200"/>
+              <a:gd name="connsiteX2" fmla="*/ 3048000 w 3048000"/>
+              <a:gd name="connsiteY2" fmla="*/ 0 h 203200"/>
+            </a:gdLst>
+            <a:ahLst/>
+            <a:cxnLst>
+              <a:cxn ang="0">
+                <a:pos x="connsiteX0" y="connsiteY0"/>
+              </a:cxn>
+              <a:cxn ang="0">
+                <a:pos x="connsiteX1" y="connsiteY1"/>
+              </a:cxn>
+              <a:cxn ang="0">
+                <a:pos x="connsiteX2" y="connsiteY2"/>
+              </a:cxn>
+            </a:cxnLst>
+            <a:rect l="l" t="t" r="r" b="b"/>
+            <a:pathLst>
+              <a:path w="3048000" h="203200">
+                <a:moveTo>
+                  <a:pt x="0" y="203200"/>
+                </a:moveTo>
+                <a:lnTo>
+                  <a:pt x="221673" y="0"/>
+                </a:lnTo>
+                <a:lnTo>
+                  <a:pt x="3048000" y="0"/>
+                </a:lnTo>
+              </a:path>
+            </a:pathLst>
+          </a:custGeom>
+          <a:noFill/>
+          <a:ln w="19050">
+            <a:solidFill>
+              <a:schemeClr val="accent3"/>
+            </a:solidFill>
+            <a:prstDash val="sysDot"/>
+            <a:headEnd type="none" w="med" len="med"/>
+            <a:tailEnd type="arrow" w="med" len="med"/>
+          </a:ln>
+          <a:effectLst/>
+        </p:spPr>
+        <p:style>
+          <a:lnRef idx="1">
+            <a:schemeClr val="accent2"/>
+          </a:lnRef>
+          <a:fillRef idx="2">
+            <a:schemeClr val="accent2"/>
+          </a:fillRef>
+          <a:effectRef idx="1">
+            <a:schemeClr val="accent2"/>
+          </a:effectRef>
+          <a:fontRef idx="minor">
+            <a:schemeClr val="dk1"/>
+          </a:fontRef>
+        </p:style>
+        <p:txBody>
+          <a:bodyPr rtlCol="0" anchor="ctr"/>
+          <a:lstStyle/>
+          <a:p>
+            <a:pPr algn="ctr"/>
+            <a:endParaRPr lang="en-SG"/>
+          </a:p>
+        </p:txBody>
+      </p:sp>
+      <p:sp>
+        <p:nvSpPr>
+          <p:cNvPr id="42" name="Freeform 41"/>
+          <p:cNvSpPr/>
+          <p:nvPr/>
+        </p:nvSpPr>
+        <p:spPr>
+          <a:xfrm flipV="1">
+            <a:off x="3308106" y="3897801"/>
+            <a:ext cx="3447679" cy="68748"/>
+          </a:xfrm>
+          <a:custGeom>
+            <a:avLst/>
+            <a:gdLst>
+              <a:gd name="connsiteX0" fmla="*/ 0 w 3048000"/>
+              <a:gd name="connsiteY0" fmla="*/ 203200 h 203200"/>
+              <a:gd name="connsiteX1" fmla="*/ 221673 w 3048000"/>
+              <a:gd name="connsiteY1" fmla="*/ 0 h 203200"/>
+              <a:gd name="connsiteX2" fmla="*/ 3048000 w 3048000"/>
+              <a:gd name="connsiteY2" fmla="*/ 0 h 203200"/>
+            </a:gdLst>
+            <a:ahLst/>
+            <a:cxnLst>
+              <a:cxn ang="0">
+                <a:pos x="connsiteX0" y="connsiteY0"/>
+              </a:cxn>
+              <a:cxn ang="0">
+                <a:pos x="connsiteX1" y="connsiteY1"/>
+              </a:cxn>
+              <a:cxn ang="0">
+                <a:pos x="connsiteX2" y="connsiteY2"/>
+              </a:cxn>
+            </a:cxnLst>
+            <a:rect l="l" t="t" r="r" b="b"/>
+            <a:pathLst>
+              <a:path w="3048000" h="203200">
+                <a:moveTo>
+                  <a:pt x="0" y="203200"/>
+                </a:moveTo>
+                <a:lnTo>
+                  <a:pt x="221673" y="0"/>
+                </a:lnTo>
+                <a:lnTo>
+                  <a:pt x="3048000" y="0"/>
+                </a:lnTo>
+              </a:path>
+            </a:pathLst>
+          </a:custGeom>
+          <a:noFill/>
+          <a:ln w="19050">
+            <a:solidFill>
+              <a:schemeClr val="accent3"/>
+            </a:solidFill>
+            <a:prstDash val="sysDot"/>
+            <a:headEnd type="none" w="med" len="med"/>
+            <a:tailEnd type="arrow" w="med" len="med"/>
+          </a:ln>
+          <a:effectLst/>
+        </p:spPr>
+        <p:style>
+          <a:lnRef idx="1">
+            <a:schemeClr val="accent2"/>
+          </a:lnRef>
+          <a:fillRef idx="2">
+            <a:schemeClr val="accent2"/>
+          </a:fillRef>
+          <a:effectRef idx="1">
+            <a:schemeClr val="accent2"/>
+          </a:effectRef>
+          <a:fontRef idx="minor">
+            <a:schemeClr val="dk1"/>
+          </a:fontRef>
+        </p:style>
+        <p:txBody>
+          <a:bodyPr rtlCol="0" anchor="ctr"/>
+          <a:lstStyle/>
+          <a:p>
+            <a:pPr algn="ctr"/>
+            <a:endParaRPr lang="en-SG"/>
+          </a:p>
+        </p:txBody>
+      </p:sp>
+      <p:cxnSp>
+        <p:nvCxnSpPr>
+          <p:cNvPr id="45" name="Elbow Connector 44"/>
+          <p:cNvCxnSpPr/>
+          <p:nvPr/>
+        </p:nvCxnSpPr>
+        <p:spPr>
+          <a:xfrm>
+            <a:off x="3169661" y="4319054"/>
+            <a:ext cx="627838" cy="167108"/>
+          </a:xfrm>
+          <a:prstGeom prst="bentConnector3">
+            <a:avLst>
+              <a:gd name="adj1" fmla="val -5903"/>
+            </a:avLst>
+          </a:prstGeom>
+          <a:ln w="19050">
+            <a:solidFill>
+              <a:schemeClr val="accent3"/>
+            </a:solidFill>
+            <a:headEnd type="none" w="med" len="med"/>
+            <a:tailEnd type="arrow" w="med" len="med"/>
+          </a:ln>
+          <a:effectLst/>
+        </p:spPr>
+        <p:style>
+          <a:lnRef idx="1">
+            <a:schemeClr val="accent2"/>
+          </a:lnRef>
+          <a:fillRef idx="2">
+            <a:schemeClr val="accent2"/>
+          </a:fillRef>
+          <a:effectRef idx="1">
+            <a:schemeClr val="accent2"/>
+          </a:effectRef>
+          <a:fontRef idx="minor">
+            <a:schemeClr val="dk1"/>
+          </a:fontRef>
+        </p:style>
+      </p:cxnSp>
+      <p:sp>
+        <p:nvSpPr>
+          <p:cNvPr id="55" name="Rectangle 11"/>
+          <p:cNvSpPr/>
+          <p:nvPr/>
+        </p:nvSpPr>
+        <p:spPr>
+          <a:xfrm>
+            <a:off x="3797499" y="4418454"/>
+            <a:ext cx="1040906" cy="155061"/>
+          </a:xfrm>
+          <a:prstGeom prst="rect">
+            <a:avLst/>
+          </a:prstGeom>
+          <a:ln w="19050">
+            <a:solidFill>
+              <a:schemeClr val="accent3"/>
+            </a:solidFill>
+          </a:ln>
+          <a:effectLst/>
+        </p:spPr>
+        <p:style>
+          <a:lnRef idx="1">
+            <a:schemeClr val="accent3"/>
+          </a:lnRef>
+          <a:fillRef idx="2">
+            <a:schemeClr val="accent3"/>
+          </a:fillRef>
+          <a:effectRef idx="1">
+            <a:schemeClr val="accent3"/>
+          </a:effectRef>
+          <a:fontRef idx="minor">
+            <a:schemeClr val="dk1"/>
+          </a:fontRef>
+        </p:style>
+        <p:txBody>
+          <a:bodyPr rtlCol="0" anchor="ctr"/>
+          <a:lstStyle/>
+          <a:p>
+            <a:pPr algn="ctr"/>
+            <a:r>
+              <a:rPr lang="en-US" sz="1050" b="1" dirty="0" err="1" smtClean="0">
+                <a:solidFill>
+                  <a:schemeClr val="accent3">
+                    <a:lumMod val="75000"/>
+                  </a:schemeClr>
+                </a:solidFill>
+              </a:rPr>
+              <a:t>PlayerDisplay</a:t>
+            </a:r>
+            <a:endParaRPr lang="en-SG" sz="1050" b="1" dirty="0">
+              <a:solidFill>
+                <a:schemeClr val="accent3">
+                  <a:lumMod val="75000"/>
+                </a:schemeClr>
+              </a:solidFill>
+            </a:endParaRPr>
+          </a:p>
+        </p:txBody>
+      </p:sp>
+      <p:sp>
+        <p:nvSpPr>
+          <p:cNvPr id="56" name="Freeform 55"/>
+          <p:cNvSpPr/>
+          <p:nvPr/>
+        </p:nvSpPr>
+        <p:spPr>
+          <a:xfrm flipV="1">
+            <a:off x="4808145" y="4576966"/>
+            <a:ext cx="1947640" cy="71234"/>
           </a:xfrm>
           <a:custGeom>
             <a:avLst/>

--- a/docs/diagrams/UiComponentClassDiagram.pptx
+++ b/docs/diagrams/UiComponentClassDiagram.pptx
@@ -5679,7 +5679,7 @@
                   </a:schemeClr>
                 </a:solidFill>
               </a:rPr>
-              <a:t>PlayerDisplay</a:t>
+              <a:t>PlayerDetails</a:t>
             </a:r>
             <a:endParaRPr lang="en-SG" sz="1050" b="1" dirty="0">
               <a:solidFill>
@@ -5783,6 +5783,13 @@
   <p:clrMapOvr>
     <a:masterClrMapping/>
   </p:clrMapOvr>
+  <p:timing>
+    <p:tnLst>
+      <p:par>
+        <p:cTn id="1" dur="indefinite" restart="never" nodeType="tmRoot"/>
+      </p:par>
+    </p:tnLst>
+  </p:timing>
 </p:sld>
 </file>
 

--- a/docs/diagrams/UiComponentClassDiagram.pptx
+++ b/docs/diagrams/UiComponentClassDiagram.pptx
@@ -208,7 +208,7 @@
           <a:p>
             <a:fld id="{F5CC4B3F-88C1-4FFA-B1B6-F41C21DC6924}" type="datetimeFigureOut">
               <a:rPr lang="en-US" smtClean="0"/>
-              <a:t>15/4/2018</a:t>
+              <a:t>4/15/18</a:t>
             </a:fld>
             <a:endParaRPr lang="en-US"/>
           </a:p>
@@ -654,7 +654,7 @@
           <a:p>
             <a:fld id="{78C97017-6FC3-485B-9764-EAC9E56C1D49}" type="datetimeFigureOut">
               <a:rPr lang="en-US" smtClean="0"/>
-              <a:t>15/4/2018</a:t>
+              <a:t>4/15/18</a:t>
             </a:fld>
             <a:endParaRPr lang="en-US"/>
           </a:p>
@@ -822,7 +822,7 @@
           <a:p>
             <a:fld id="{78C97017-6FC3-485B-9764-EAC9E56C1D49}" type="datetimeFigureOut">
               <a:rPr lang="en-US" smtClean="0"/>
-              <a:t>15/4/2018</a:t>
+              <a:t>4/15/18</a:t>
             </a:fld>
             <a:endParaRPr lang="en-US"/>
           </a:p>
@@ -1000,7 +1000,7 @@
           <a:p>
             <a:fld id="{78C97017-6FC3-485B-9764-EAC9E56C1D49}" type="datetimeFigureOut">
               <a:rPr lang="en-US" smtClean="0"/>
-              <a:t>15/4/2018</a:t>
+              <a:t>4/15/18</a:t>
             </a:fld>
             <a:endParaRPr lang="en-US"/>
           </a:p>
@@ -1168,7 +1168,7 @@
           <a:p>
             <a:fld id="{78C97017-6FC3-485B-9764-EAC9E56C1D49}" type="datetimeFigureOut">
               <a:rPr lang="en-US" smtClean="0"/>
-              <a:t>15/4/2018</a:t>
+              <a:t>4/15/18</a:t>
             </a:fld>
             <a:endParaRPr lang="en-US"/>
           </a:p>
@@ -1413,7 +1413,7 @@
           <a:p>
             <a:fld id="{78C97017-6FC3-485B-9764-EAC9E56C1D49}" type="datetimeFigureOut">
               <a:rPr lang="en-US" smtClean="0"/>
-              <a:t>15/4/2018</a:t>
+              <a:t>4/15/18</a:t>
             </a:fld>
             <a:endParaRPr lang="en-US"/>
           </a:p>
@@ -1698,7 +1698,7 @@
           <a:p>
             <a:fld id="{78C97017-6FC3-485B-9764-EAC9E56C1D49}" type="datetimeFigureOut">
               <a:rPr lang="en-US" smtClean="0"/>
-              <a:t>15/4/2018</a:t>
+              <a:t>4/15/18</a:t>
             </a:fld>
             <a:endParaRPr lang="en-US"/>
           </a:p>
@@ -2117,7 +2117,7 @@
           <a:p>
             <a:fld id="{78C97017-6FC3-485B-9764-EAC9E56C1D49}" type="datetimeFigureOut">
               <a:rPr lang="en-US" smtClean="0"/>
-              <a:t>15/4/2018</a:t>
+              <a:t>4/15/18</a:t>
             </a:fld>
             <a:endParaRPr lang="en-US"/>
           </a:p>
@@ -2234,7 +2234,7 @@
           <a:p>
             <a:fld id="{78C97017-6FC3-485B-9764-EAC9E56C1D49}" type="datetimeFigureOut">
               <a:rPr lang="en-US" smtClean="0"/>
-              <a:t>15/4/2018</a:t>
+              <a:t>4/15/18</a:t>
             </a:fld>
             <a:endParaRPr lang="en-US"/>
           </a:p>
@@ -2329,7 +2329,7 @@
           <a:p>
             <a:fld id="{78C97017-6FC3-485B-9764-EAC9E56C1D49}" type="datetimeFigureOut">
               <a:rPr lang="en-US" smtClean="0"/>
-              <a:t>15/4/2018</a:t>
+              <a:t>4/15/18</a:t>
             </a:fld>
             <a:endParaRPr lang="en-US"/>
           </a:p>
@@ -2604,7 +2604,7 @@
           <a:p>
             <a:fld id="{78C97017-6FC3-485B-9764-EAC9E56C1D49}" type="datetimeFigureOut">
               <a:rPr lang="en-US" smtClean="0"/>
-              <a:t>15/4/2018</a:t>
+              <a:t>4/15/18</a:t>
             </a:fld>
             <a:endParaRPr lang="en-US"/>
           </a:p>
@@ -2856,7 +2856,7 @@
           <a:p>
             <a:fld id="{78C97017-6FC3-485B-9764-EAC9E56C1D49}" type="datetimeFigureOut">
               <a:rPr lang="en-US" smtClean="0"/>
-              <a:t>15/4/2018</a:t>
+              <a:t>4/15/18</a:t>
             </a:fld>
             <a:endParaRPr lang="en-US"/>
           </a:p>
@@ -3067,7 +3067,7 @@
           <a:p>
             <a:fld id="{78C97017-6FC3-485B-9764-EAC9E56C1D49}" type="datetimeFigureOut">
               <a:rPr lang="en-US" smtClean="0"/>
-              <a:t>15/4/2018</a:t>
+              <a:t>4/15/18</a:t>
             </a:fld>
             <a:endParaRPr lang="en-US"/>
           </a:p>
@@ -3451,7 +3451,7 @@
         <p:spPr>
           <a:xfrm>
             <a:off x="1217465" y="1447800"/>
-            <a:ext cx="4917083" cy="4267200"/>
+            <a:ext cx="4917083" cy="3962400"/>
           </a:xfrm>
           <a:prstGeom prst="roundRect">
             <a:avLst>
@@ -3925,7 +3925,7 @@
                   </a:schemeClr>
                 </a:solidFill>
               </a:rPr>
-              <a:t>PlayerDetails</a:t>
+              <a:t>TeamDetails</a:t>
             </a:r>
             <a:endParaRPr lang="en-SG" sz="1050" b="1" dirty="0">
               <a:solidFill>
@@ -4065,8 +4065,8 @@
         </p:nvSpPr>
         <p:spPr>
           <a:xfrm>
-            <a:off x="3839323" y="4228801"/>
-            <a:ext cx="1040906" cy="236841"/>
+            <a:off x="3774239" y="4219004"/>
+            <a:ext cx="1040906" cy="155061"/>
           </a:xfrm>
           <a:prstGeom prst="rect">
             <a:avLst/>
@@ -4125,7 +4125,7 @@
         </p:nvSpPr>
         <p:spPr>
           <a:xfrm>
-            <a:off x="2587522" y="5268784"/>
+            <a:off x="2592528" y="4966000"/>
             <a:ext cx="1093635" cy="236841"/>
           </a:xfrm>
           <a:prstGeom prst="rect">
@@ -4459,8 +4459,8 @@
         </p:nvCxnSpPr>
         <p:spPr>
           <a:xfrm rot="16200000" flipH="1">
-            <a:off x="1019284" y="3818966"/>
-            <a:ext cx="2699223" cy="437254"/>
+            <a:off x="1184119" y="3676012"/>
+            <a:ext cx="2396440" cy="420377"/>
           </a:xfrm>
           <a:prstGeom prst="bentConnector2">
             <a:avLst/>
@@ -4620,8 +4620,8 @@
         </p:nvCxnSpPr>
         <p:spPr>
           <a:xfrm rot="5400000">
-            <a:off x="4174488" y="2991741"/>
-            <a:ext cx="2061222" cy="649740"/>
+            <a:off x="4167290" y="2933855"/>
+            <a:ext cx="2010535" cy="714824"/>
           </a:xfrm>
           <a:prstGeom prst="bentConnector2">
             <a:avLst/>
@@ -4784,8 +4784,8 @@
         </p:nvCxnSpPr>
         <p:spPr>
           <a:xfrm rot="5400000">
-            <a:off x="3054961" y="2912196"/>
-            <a:ext cx="3101205" cy="1848812"/>
+            <a:off x="3208856" y="2763307"/>
+            <a:ext cx="2798421" cy="1843806"/>
           </a:xfrm>
           <a:prstGeom prst="bentConnector2">
             <a:avLst/>
@@ -4863,8 +4863,8 @@
         </p:nvSpPr>
         <p:spPr>
           <a:xfrm rot="16200000">
-            <a:off x="6213739" y="4560376"/>
-            <a:ext cx="1371599" cy="328045"/>
+            <a:off x="6149829" y="4496465"/>
+            <a:ext cx="1499420" cy="328045"/>
           </a:xfrm>
           <a:prstGeom prst="roundRect">
             <a:avLst/>
@@ -5168,8 +5168,8 @@
         </p:nvCxnSpPr>
         <p:spPr>
           <a:xfrm rot="16200000" flipH="1">
-            <a:off x="3430123" y="3938021"/>
-            <a:ext cx="118421" cy="699979"/>
+            <a:off x="3422924" y="3945220"/>
+            <a:ext cx="67734" cy="634895"/>
           </a:xfrm>
           <a:prstGeom prst="bentConnector2">
             <a:avLst/>
@@ -5435,8 +5435,8 @@
         </p:nvSpPr>
         <p:spPr>
           <a:xfrm flipV="1">
-            <a:off x="4114799" y="4472708"/>
-            <a:ext cx="2642195" cy="101600"/>
+            <a:off x="4808145" y="4359638"/>
+            <a:ext cx="1947640" cy="60779"/>
           </a:xfrm>
           <a:custGeom>
             <a:avLst/>
@@ -5511,14 +5511,136 @@
       </p:sp>
       <p:sp>
         <p:nvSpPr>
-          <p:cNvPr id="42" name="Rectangle 11"/>
+          <p:cNvPr id="42" name="Freeform 41"/>
           <p:cNvSpPr/>
           <p:nvPr/>
         </p:nvSpPr>
         <p:spPr>
+          <a:xfrm flipV="1">
+            <a:off x="3308106" y="3897801"/>
+            <a:ext cx="3447679" cy="68748"/>
+          </a:xfrm>
+          <a:custGeom>
+            <a:avLst/>
+            <a:gdLst>
+              <a:gd name="connsiteX0" fmla="*/ 0 w 3048000"/>
+              <a:gd name="connsiteY0" fmla="*/ 203200 h 203200"/>
+              <a:gd name="connsiteX1" fmla="*/ 221673 w 3048000"/>
+              <a:gd name="connsiteY1" fmla="*/ 0 h 203200"/>
+              <a:gd name="connsiteX2" fmla="*/ 3048000 w 3048000"/>
+              <a:gd name="connsiteY2" fmla="*/ 0 h 203200"/>
+            </a:gdLst>
+            <a:ahLst/>
+            <a:cxnLst>
+              <a:cxn ang="0">
+                <a:pos x="connsiteX0" y="connsiteY0"/>
+              </a:cxn>
+              <a:cxn ang="0">
+                <a:pos x="connsiteX1" y="connsiteY1"/>
+              </a:cxn>
+              <a:cxn ang="0">
+                <a:pos x="connsiteX2" y="connsiteY2"/>
+              </a:cxn>
+            </a:cxnLst>
+            <a:rect l="l" t="t" r="r" b="b"/>
+            <a:pathLst>
+              <a:path w="3048000" h="203200">
+                <a:moveTo>
+                  <a:pt x="0" y="203200"/>
+                </a:moveTo>
+                <a:lnTo>
+                  <a:pt x="221673" y="0"/>
+                </a:lnTo>
+                <a:lnTo>
+                  <a:pt x="3048000" y="0"/>
+                </a:lnTo>
+              </a:path>
+            </a:pathLst>
+          </a:custGeom>
+          <a:noFill/>
+          <a:ln w="19050">
+            <a:solidFill>
+              <a:schemeClr val="accent3"/>
+            </a:solidFill>
+            <a:prstDash val="sysDot"/>
+            <a:headEnd type="none" w="med" len="med"/>
+            <a:tailEnd type="arrow" w="med" len="med"/>
+          </a:ln>
+          <a:effectLst/>
+        </p:spPr>
+        <p:style>
+          <a:lnRef idx="1">
+            <a:schemeClr val="accent2"/>
+          </a:lnRef>
+          <a:fillRef idx="2">
+            <a:schemeClr val="accent2"/>
+          </a:fillRef>
+          <a:effectRef idx="1">
+            <a:schemeClr val="accent2"/>
+          </a:effectRef>
+          <a:fontRef idx="minor">
+            <a:schemeClr val="dk1"/>
+          </a:fontRef>
+        </p:style>
+        <p:txBody>
+          <a:bodyPr rtlCol="0" anchor="ctr"/>
+          <a:lstStyle/>
+          <a:p>
+            <a:pPr algn="ctr"/>
+            <a:endParaRPr lang="en-SG"/>
+          </a:p>
+        </p:txBody>
+      </p:sp>
+      <p:cxnSp>
+        <p:nvCxnSpPr>
+          <p:cNvPr id="45" name="Elbow Connector 44"/>
+          <p:cNvCxnSpPr/>
+          <p:nvPr/>
+        </p:nvCxnSpPr>
+        <p:spPr>
           <a:xfrm>
-            <a:off x="2585340" y="4905717"/>
-            <a:ext cx="1093635" cy="236841"/>
+            <a:off x="3169661" y="4319054"/>
+            <a:ext cx="627838" cy="167108"/>
+          </a:xfrm>
+          <a:prstGeom prst="bentConnector3">
+            <a:avLst>
+              <a:gd name="adj1" fmla="val -5903"/>
+            </a:avLst>
+          </a:prstGeom>
+          <a:ln w="19050">
+            <a:solidFill>
+              <a:schemeClr val="accent3"/>
+            </a:solidFill>
+            <a:headEnd type="none" w="med" len="med"/>
+            <a:tailEnd type="arrow" w="med" len="med"/>
+          </a:ln>
+          <a:effectLst/>
+        </p:spPr>
+        <p:style>
+          <a:lnRef idx="1">
+            <a:schemeClr val="accent2"/>
+          </a:lnRef>
+          <a:fillRef idx="2">
+            <a:schemeClr val="accent2"/>
+          </a:fillRef>
+          <a:effectRef idx="1">
+            <a:schemeClr val="accent2"/>
+          </a:effectRef>
+          <a:fontRef idx="minor">
+            <a:schemeClr val="dk1"/>
+          </a:fontRef>
+        </p:style>
+      </p:cxnSp>
+      <p:sp>
+        <p:nvSpPr>
+          <p:cNvPr id="55" name="Rectangle 11"/>
+          <p:cNvSpPr/>
+          <p:nvPr/>
+        </p:nvSpPr>
+        <p:spPr>
+          <a:xfrm>
+            <a:off x="3797499" y="4418454"/>
+            <a:ext cx="1040906" cy="155061"/>
           </a:xfrm>
           <a:prstGeom prst="rect">
             <a:avLst/>
@@ -5557,7 +5679,7 @@
                   </a:schemeClr>
                 </a:solidFill>
               </a:rPr>
-              <a:t>TeamDisplay</a:t>
+              <a:t>PlayerDetails</a:t>
             </a:r>
             <a:endParaRPr lang="en-SG" sz="1050" b="1" dirty="0">
               <a:solidFill>
@@ -5569,26 +5691,60 @@
           </a:p>
         </p:txBody>
       </p:sp>
-      <p:cxnSp>
-        <p:nvCxnSpPr>
-          <p:cNvPr id="45" name="Elbow Connector 63"/>
-          <p:cNvCxnSpPr>
-            <a:endCxn id="42" idx="1"/>
-          </p:cNvCxnSpPr>
+      <p:sp>
+        <p:nvSpPr>
+          <p:cNvPr id="56" name="Freeform 55"/>
+          <p:cNvSpPr/>
           <p:nvPr/>
-        </p:nvCxnSpPr>
-        <p:spPr>
-          <a:xfrm rot="16200000" flipH="1">
-            <a:off x="1418533" y="3857331"/>
-            <a:ext cx="2164396" cy="169217"/>
-          </a:xfrm>
-          <a:prstGeom prst="bentConnector2">
+        </p:nvSpPr>
+        <p:spPr>
+          <a:xfrm flipV="1">
+            <a:off x="4808145" y="4576966"/>
+            <a:ext cx="1947640" cy="71234"/>
+          </a:xfrm>
+          <a:custGeom>
             <a:avLst/>
-          </a:prstGeom>
+            <a:gdLst>
+              <a:gd name="connsiteX0" fmla="*/ 0 w 3048000"/>
+              <a:gd name="connsiteY0" fmla="*/ 203200 h 203200"/>
+              <a:gd name="connsiteX1" fmla="*/ 221673 w 3048000"/>
+              <a:gd name="connsiteY1" fmla="*/ 0 h 203200"/>
+              <a:gd name="connsiteX2" fmla="*/ 3048000 w 3048000"/>
+              <a:gd name="connsiteY2" fmla="*/ 0 h 203200"/>
+            </a:gdLst>
+            <a:ahLst/>
+            <a:cxnLst>
+              <a:cxn ang="0">
+                <a:pos x="connsiteX0" y="connsiteY0"/>
+              </a:cxn>
+              <a:cxn ang="0">
+                <a:pos x="connsiteX1" y="connsiteY1"/>
+              </a:cxn>
+              <a:cxn ang="0">
+                <a:pos x="connsiteX2" y="connsiteY2"/>
+              </a:cxn>
+            </a:cxnLst>
+            <a:rect l="l" t="t" r="r" b="b"/>
+            <a:pathLst>
+              <a:path w="3048000" h="203200">
+                <a:moveTo>
+                  <a:pt x="0" y="203200"/>
+                </a:moveTo>
+                <a:lnTo>
+                  <a:pt x="221673" y="0"/>
+                </a:lnTo>
+                <a:lnTo>
+                  <a:pt x="3048000" y="0"/>
+                </a:lnTo>
+              </a:path>
+            </a:pathLst>
+          </a:custGeom>
+          <a:noFill/>
           <a:ln w="19050">
             <a:solidFill>
               <a:schemeClr val="accent3"/>
             </a:solidFill>
+            <a:prstDash val="sysDot"/>
             <a:headEnd type="none" w="med" len="med"/>
             <a:tailEnd type="arrow" w="med" len="med"/>
           </a:ln>
@@ -5608,48 +5764,15 @@
             <a:schemeClr val="dk1"/>
           </a:fontRef>
         </p:style>
-      </p:cxnSp>
-      <p:cxnSp>
-        <p:nvCxnSpPr>
-          <p:cNvPr id="48" name="Elbow Connector 63"/>
-          <p:cNvCxnSpPr>
-            <a:stCxn id="16" idx="3"/>
-            <a:endCxn id="42" idx="3"/>
-          </p:cNvCxnSpPr>
-          <p:nvPr/>
-        </p:nvCxnSpPr>
-        <p:spPr>
-          <a:xfrm rot="5400000">
-            <a:off x="3235403" y="2729572"/>
-            <a:ext cx="2738138" cy="1850994"/>
-          </a:xfrm>
-          <a:prstGeom prst="bentConnector2">
-            <a:avLst/>
-          </a:prstGeom>
-          <a:ln w="6350">
-            <a:solidFill>
-              <a:schemeClr val="accent3"/>
-            </a:solidFill>
-            <a:headEnd type="none" w="med" len="med"/>
-            <a:tailEnd type="none" w="med" len="med"/>
-          </a:ln>
-          <a:effectLst/>
-        </p:spPr>
-        <p:style>
-          <a:lnRef idx="1">
-            <a:schemeClr val="accent2"/>
-          </a:lnRef>
-          <a:fillRef idx="2">
-            <a:schemeClr val="accent2"/>
-          </a:fillRef>
-          <a:effectRef idx="1">
-            <a:schemeClr val="accent2"/>
-          </a:effectRef>
-          <a:fontRef idx="minor">
-            <a:schemeClr val="dk1"/>
-          </a:fontRef>
-        </p:style>
-      </p:cxnSp>
+        <p:txBody>
+          <a:bodyPr rtlCol="0" anchor="ctr"/>
+          <a:lstStyle/>
+          <a:p>
+            <a:pPr algn="ctr"/>
+            <a:endParaRPr lang="en-SG"/>
+          </a:p>
+        </p:txBody>
+      </p:sp>
     </p:spTree>
     <p:extLst>
       <p:ext uri="{BB962C8B-B14F-4D97-AF65-F5344CB8AC3E}">
@@ -5660,6 +5783,13 @@
   <p:clrMapOvr>
     <a:masterClrMapping/>
   </p:clrMapOvr>
+  <p:timing>
+    <p:tnLst>
+      <p:par>
+        <p:cTn id="1" dur="indefinite" restart="never" nodeType="tmRoot"/>
+      </p:par>
+    </p:tnLst>
+  </p:timing>
 </p:sld>
 </file>
 
